--- a/CA2 Presentation draft.pptx
+++ b/CA2 Presentation draft.pptx
@@ -254,7 +254,7 @@
           <a:p>
             <a:fld id="{BDB7646E-8811-423A-9C42-2CBFADA00A96}" type="datetimeFigureOut">
               <a:rPr lang="en-US" smtClean="0"/>
-              <a:t>4/25/2018</a:t>
+              <a:t>4/27/2018</a:t>
             </a:fld>
             <a:endParaRPr lang="en-US"/>
           </a:p>
@@ -428,7 +428,7 @@
             <a:fld id="{D677E230-58DD-43ED-96A1-552DDAB53532}" type="datetimeFigureOut">
               <a:rPr lang="en-US" smtClean="0"/>
               <a:pPr/>
-              <a:t>4/25/2018</a:t>
+              <a:t>4/27/2018</a:t>
             </a:fld>
             <a:endParaRPr lang="en-US"/>
           </a:p>
@@ -1362,7 +1362,7 @@
           <a:p>
             <a:fld id="{80BBE6BF-C811-45BB-8BA9-22EFF2B83FFA}" type="datetime1">
               <a:rPr lang="en-US" smtClean="0"/>
-              <a:t>4/25/2018</a:t>
+              <a:t>4/27/2018</a:t>
             </a:fld>
             <a:endParaRPr lang="en-US"/>
           </a:p>
@@ -1683,7 +1683,7 @@
           <a:p>
             <a:fld id="{42DF41C5-B5F2-469F-BA25-292CFCDAF6E0}" type="datetime1">
               <a:rPr lang="en-US" smtClean="0"/>
-              <a:t>4/25/2018</a:t>
+              <a:t>4/27/2018</a:t>
             </a:fld>
             <a:endParaRPr lang="en-US"/>
           </a:p>
@@ -1882,7 +1882,7 @@
           <a:p>
             <a:fld id="{E69D85FE-5443-4629-8A1C-6F6EA57CBD60}" type="datetime1">
               <a:rPr lang="en-US" smtClean="0"/>
-              <a:t>4/25/2018</a:t>
+              <a:t>4/27/2018</a:t>
             </a:fld>
             <a:endParaRPr lang="en-US"/>
           </a:p>
@@ -2181,7 +2181,7 @@
           <a:p>
             <a:fld id="{F39362CC-4597-4E8E-AFE5-237B3DA1FF07}" type="datetime1">
               <a:rPr lang="en-US" smtClean="0"/>
-              <a:t>4/25/2018</a:t>
+              <a:t>4/27/2018</a:t>
             </a:fld>
             <a:endParaRPr lang="en-US"/>
           </a:p>
@@ -2478,7 +2478,7 @@
           <a:p>
             <a:fld id="{E1F63988-78D4-46C4-B808-1786C6A42859}" type="datetime1">
               <a:rPr lang="en-US" smtClean="0"/>
-              <a:t>4/25/2018</a:t>
+              <a:t>4/27/2018</a:t>
             </a:fld>
             <a:endParaRPr lang="en-US"/>
           </a:p>
@@ -2939,7 +2939,7 @@
           <a:p>
             <a:fld id="{A482C1EE-CCC0-4F27-8918-BF938AC1419F}" type="datetime1">
               <a:rPr lang="en-US" smtClean="0"/>
-              <a:t>4/25/2018</a:t>
+              <a:t>4/27/2018</a:t>
             </a:fld>
             <a:endParaRPr lang="en-US"/>
           </a:p>
@@ -3474,7 +3474,7 @@
           <a:p>
             <a:fld id="{B9A0C48B-9D86-4C33-9BD3-2929B1D74E3D}" type="datetime1">
               <a:rPr lang="en-US" smtClean="0"/>
-              <a:t>4/25/2018</a:t>
+              <a:t>4/27/2018</a:t>
             </a:fld>
             <a:endParaRPr lang="en-US"/>
           </a:p>
@@ -3642,7 +3642,7 @@
           <a:p>
             <a:fld id="{E87B711C-F9D6-42CE-B848-D107B7756573}" type="datetime1">
               <a:rPr lang="en-US" smtClean="0"/>
-              <a:t>4/25/2018</a:t>
+              <a:t>4/27/2018</a:t>
             </a:fld>
             <a:endParaRPr lang="en-US"/>
           </a:p>
@@ -3774,7 +3774,7 @@
           <a:p>
             <a:fld id="{4C1EAC44-87EE-4E25-9BCB-D1B8F4FDD9D1}" type="datetime1">
               <a:rPr lang="en-US" smtClean="0"/>
-              <a:t>4/25/2018</a:t>
+              <a:t>4/27/2018</a:t>
             </a:fld>
             <a:endParaRPr lang="en-US"/>
           </a:p>
@@ -4120,7 +4120,7 @@
           <a:p>
             <a:fld id="{E68E44B9-3FFE-4574-9630-3E5A6F960186}" type="datetime1">
               <a:rPr lang="en-US" smtClean="0"/>
-              <a:t>4/25/2018</a:t>
+              <a:t>4/27/2018</a:t>
             </a:fld>
             <a:endParaRPr lang="en-US"/>
           </a:p>
@@ -4476,7 +4476,7 @@
           <a:p>
             <a:fld id="{F866F492-7803-4716-B969-A5873965FF8A}" type="datetime1">
               <a:rPr lang="en-US" smtClean="0"/>
-              <a:t>4/25/2018</a:t>
+              <a:t>4/27/2018</a:t>
             </a:fld>
             <a:endParaRPr lang="en-US"/>
           </a:p>
@@ -4768,7 +4768,7 @@
             <a:fld id="{FD004168-AADC-4457-9784-543656FEE4FC}" type="datetime1">
               <a:rPr lang="en-US" smtClean="0"/>
               <a:pPr/>
-              <a:t>4/25/2018</a:t>
+              <a:t>4/27/2018</a:t>
             </a:fld>
             <a:endParaRPr lang="en-US"/>
           </a:p>
@@ -5814,7 +5814,31 @@
           <a:lstStyle/>
           <a:p>
             <a:pPr lvl="0"/>
-            <a:endParaRPr lang="en-US" b="1" dirty="0"/>
+            <a:r>
+              <a:rPr lang="en-US" b="1" dirty="0"/>
+              <a:t>Good wine:</a:t>
+            </a:r>
+          </a:p>
+          <a:p>
+            <a:pPr lvl="0"/>
+            <a:r>
+              <a:rPr lang="en-US" b="1" dirty="0"/>
+              <a:t>- not too high and not too low alcohol level</a:t>
+            </a:r>
+          </a:p>
+          <a:p>
+            <a:pPr lvl="0"/>
+            <a:r>
+              <a:rPr lang="en-US" b="1" dirty="0"/>
+              <a:t>- all ingredients equally important</a:t>
+            </a:r>
+          </a:p>
+          <a:p>
+            <a:pPr lvl="0"/>
+            <a:r>
+              <a:rPr lang="en-US" b="1" dirty="0"/>
+              <a:t>- hard to predict quality </a:t>
+            </a:r>
           </a:p>
         </p:txBody>
       </p:sp>
